--- a/Wendy.pptx
+++ b/Wendy.pptx
@@ -3857,7 +3857,15 @@
           <a:p>
             <a:r>
               <a:rPr lang="en-US" dirty="0"/>
-              <a:t>A transaction tx1 is not blocked by another tx2, if t+1 parties reported having seen tx1 before tx2.</a:t>
+              <a:t>A transaction tx1 is </a:t>
+            </a:r>
+            <a:r>
+              <a:rPr lang="en-US" b="1" dirty="0"/>
+              <a:t>not</a:t>
+            </a:r>
+            <a:r>
+              <a:rPr lang="en-US" dirty="0"/>
+              <a:t> preferred to another tx2, if at least t+1 parties reported having seen tx1 before tx2.</a:t>
             </a:r>
           </a:p>
           <a:p>
@@ -4105,7 +4113,7 @@
           <a:p>
             <a:r>
               <a:rPr lang="en-US" dirty="0"/>
-              <a:t>Three factors</a:t>
+              <a:t>Three factors derived from the three blocking possibilities:</a:t>
             </a:r>
           </a:p>
           <a:p>
@@ -4249,7 +4257,11 @@
           <a:p>
             <a:r>
               <a:rPr lang="en-US" dirty="0"/>
-              <a:t>In a halfway normal network, vote overtaking had no impact. If me model erratic behavior (adding a multiple of the normal message delivery time at random), we saw a larger number of messages affected (add graph) ? </a:t>
+              <a:t>In a halfway normal network, vote overtaking had no impact. If we model erratic behavior (adding a multiple of the normal message delivery times at random), we can make this arbitrarily bad. (Factor 3 = ca 50 percent of </a:t>
+            </a:r>
+            <a:r>
+              <a:rPr lang="en-US"/>
+              <a:t>transactions delayed).</a:t>
             </a:r>
             <a:endParaRPr lang="en-GB" dirty="0"/>
           </a:p>

--- a/Wendy.pptx
+++ b/Wendy.pptx
@@ -4218,7 +4218,7 @@
         <p:spPr/>
         <p:txBody>
           <a:bodyPr>
-            <a:normAutofit lnSpcReduction="10000"/>
+            <a:normAutofit fontScale="92500" lnSpcReduction="20000"/>
           </a:bodyPr>
           <a:lstStyle/>
           <a:p>
@@ -4230,7 +4230,7 @@
           <a:p>
             <a:r>
               <a:rPr lang="en-US" dirty="0"/>
-              <a:t>Blocked TXs added another ~15-30% of those in our simulations.</a:t>
+              <a:t>Blocked TXs added another ~15-30% of those in our simulations. This depends on several parameters:</a:t>
             </a:r>
           </a:p>
           <a:p>
@@ -4244,24 +4244,28 @@
             <a:pPr lvl="1"/>
             <a:r>
               <a:rPr lang="en-US" dirty="0"/>
-              <a:t>Number of TXs blocked by above reason</a:t>
+              <a:t>Number of TXs blocked through insufficient votes</a:t>
             </a:r>
           </a:p>
           <a:p>
             <a:pPr lvl="1"/>
             <a:r>
               <a:rPr lang="en-US" dirty="0"/>
-              <a:t>Above ratio, as many conflicts are resolved before the next block is ready</a:t>
-            </a:r>
-          </a:p>
-          <a:p>
+              <a:t>Msg</a:t>
+            </a:r>
+            <a:r>
+              <a:rPr lang="en-US"/>
+              <a:t>/Block-ratio </a:t>
+            </a:r>
             <a:r>
               <a:rPr lang="en-US" dirty="0"/>
-              <a:t>In a halfway normal network, vote overtaking had no impact. If we model erratic behavior (adding a multiple of the normal message delivery times at random), we can make this arbitrarily bad. (Factor 3 = ca 50 percent of </a:t>
-            </a:r>
-            <a:r>
-              <a:rPr lang="en-US"/>
-              <a:t>transactions delayed).</a:t>
+              <a:t>as above, since many conflicts are resolved before the next block is ready</a:t>
+            </a:r>
+          </a:p>
+          <a:p>
+            <a:r>
+              <a:rPr lang="en-US" dirty="0"/>
+              <a:t>In a halfway normal network, vote overtaking had no impact. If we model erratic behavior (adding a multiple of the normal message delivery times at random), we can make this arbitrarily bad. (Factor 3 = ca 50 percent of transactions delayed).</a:t>
             </a:r>
             <a:endParaRPr lang="en-GB" dirty="0"/>
           </a:p>

--- a/Wendy.pptx
+++ b/Wendy.pptx
@@ -12,6 +12,7 @@
     <p:sldId id="262" r:id="rId6"/>
     <p:sldId id="257" r:id="rId7"/>
     <p:sldId id="258" r:id="rId8"/>
+    <p:sldId id="263" r:id="rId9"/>
   </p:sldIdLst>
   <p:sldSz cx="12192000" cy="6858000"/>
   <p:notesSz cx="6858000" cy="9144000"/>
@@ -3555,15 +3556,7 @@
             </a:pPr>
             <a:r>
               <a:rPr lang="en-US" dirty="0"/>
-              <a:t>If all honest validators see transaction a before transaction, then a </a:t>
-            </a:r>
-            <a:r>
-              <a:rPr lang="en-US" dirty="0" err="1"/>
-              <a:t>ust</a:t>
-            </a:r>
-            <a:r>
-              <a:rPr lang="en-US" dirty="0"/>
-              <a:t> be in an earlier or the same block as b.</a:t>
+              <a:t>If all honest validators see transaction a before transaction, then a must be in an earlier or the same block as b.</a:t>
             </a:r>
           </a:p>
           <a:p>
@@ -3578,15 +3571,7 @@
             </a:pPr>
             <a:r>
               <a:rPr lang="en-US" dirty="0"/>
-              <a:t>There’s some issues with that definition (</a:t>
-            </a:r>
-            <a:r>
-              <a:rPr lang="en-US" dirty="0" err="1"/>
-              <a:t>e.g.,we</a:t>
-            </a:r>
-            <a:r>
-              <a:rPr lang="en-US" dirty="0"/>
-              <a:t> cannot guarantee termination), we’ll ignore that for the moment.</a:t>
+              <a:t>There’s some issues with that definition (e.g., we cannot guarantee termination), we’ll ignore that for the moment.</a:t>
             </a:r>
             <a:endParaRPr lang="en-GB" dirty="0"/>
           </a:p>
@@ -4224,7 +4209,7 @@
           <a:p>
             <a:r>
               <a:rPr lang="en-US" dirty="0"/>
-              <a:t>Insufficient votes depends directly on the ratio message-delivery time/block-creation time. The number of TXs delayed there is pretty much exactly that ratio</a:t>
+              <a:t>Insufficient votes depend directly on the ratio message-delivery time/block-creation time. The number of TXs delayed there is pretty much exactly that ratio</a:t>
             </a:r>
           </a:p>
           <a:p>
@@ -4251,15 +4236,7 @@
             <a:pPr lvl="1"/>
             <a:r>
               <a:rPr lang="en-US" dirty="0"/>
-              <a:t>Msg</a:t>
-            </a:r>
-            <a:r>
-              <a:rPr lang="en-US"/>
-              <a:t>/Block-ratio </a:t>
-            </a:r>
-            <a:r>
-              <a:rPr lang="en-US" dirty="0"/>
-              <a:t>as above, since many conflicts are resolved before the next block is ready</a:t>
+              <a:t>Msg/Block-ratio as above, since many conflicts are resolved before the next block is ready</a:t>
             </a:r>
           </a:p>
           <a:p>
@@ -4275,6 +4252,104 @@
     <p:extLst>
       <p:ext uri="{BB962C8B-B14F-4D97-AF65-F5344CB8AC3E}">
         <p14:creationId xmlns:p14="http://schemas.microsoft.com/office/powerpoint/2010/main" val="950716331"/>
+      </p:ext>
+    </p:extLst>
+  </p:cSld>
+  <p:clrMapOvr>
+    <a:masterClrMapping/>
+  </p:clrMapOvr>
+</p:sld>
+</file>
+
+<file path=ppt/slides/slide8.xml><?xml version="1.0" encoding="utf-8"?>
+<p:sld xmlns:a="http://schemas.openxmlformats.org/drawingml/2006/main" xmlns:r="http://schemas.openxmlformats.org/officeDocument/2006/relationships" xmlns:p="http://schemas.openxmlformats.org/presentationml/2006/main">
+  <p:cSld>
+    <p:spTree>
+      <p:nvGrpSpPr>
+        <p:cNvPr id="1" name=""/>
+        <p:cNvGrpSpPr/>
+        <p:nvPr/>
+      </p:nvGrpSpPr>
+      <p:grpSpPr>
+        <a:xfrm>
+          <a:off x="0" y="0"/>
+          <a:ext cx="0" cy="0"/>
+          <a:chOff x="0" y="0"/>
+          <a:chExt cx="0" cy="0"/>
+        </a:xfrm>
+      </p:grpSpPr>
+      <p:sp>
+        <p:nvSpPr>
+          <p:cNvPr id="2" name="Titel 1">
+            <a:extLst>
+              <a:ext uri="{FF2B5EF4-FFF2-40B4-BE49-F238E27FC236}">
+                <a16:creationId xmlns:a16="http://schemas.microsoft.com/office/drawing/2014/main" id="{BE5A7019-5957-41C7-B86F-C5AEB573CE70}"/>
+              </a:ext>
+            </a:extLst>
+          </p:cNvPr>
+          <p:cNvSpPr>
+            <a:spLocks noGrp="1"/>
+          </p:cNvSpPr>
+          <p:nvPr>
+            <p:ph type="title"/>
+          </p:nvPr>
+        </p:nvSpPr>
+        <p:spPr/>
+        <p:txBody>
+          <a:bodyPr/>
+          <a:lstStyle/>
+          <a:p>
+            <a:r>
+              <a:rPr lang="en-US" dirty="0"/>
+              <a:t>Fairness Switch</a:t>
+            </a:r>
+            <a:endParaRPr lang="en-GB" dirty="0"/>
+          </a:p>
+        </p:txBody>
+      </p:sp>
+      <p:sp>
+        <p:nvSpPr>
+          <p:cNvPr id="3" name="Inhaltsplatzhalter 2">
+            <a:extLst>
+              <a:ext uri="{FF2B5EF4-FFF2-40B4-BE49-F238E27FC236}">
+                <a16:creationId xmlns:a16="http://schemas.microsoft.com/office/drawing/2014/main" id="{D98CA863-3B1E-4657-8D63-0EE0BE0585B9}"/>
+              </a:ext>
+            </a:extLst>
+          </p:cNvPr>
+          <p:cNvSpPr>
+            <a:spLocks noGrp="1"/>
+          </p:cNvSpPr>
+          <p:nvPr>
+            <p:ph idx="1"/>
+          </p:nvPr>
+        </p:nvSpPr>
+        <p:spPr/>
+        <p:txBody>
+          <a:bodyPr/>
+          <a:lstStyle/>
+          <a:p>
+            <a:r>
+              <a:rPr lang="en-US" dirty="0"/>
+              <a:t>As the fairness is only implemented in two functions, we can switch to a different definition with little effort</a:t>
+            </a:r>
+          </a:p>
+          <a:p>
+            <a:r>
+              <a:rPr lang="en-US" dirty="0"/>
+              <a:t>This can be done on the fly; all we need to do is recompute the blocking sets, which we do anyhow all </a:t>
+            </a:r>
+            <a:r>
+              <a:rPr lang="en-US"/>
+              <a:t>the time.</a:t>
+            </a:r>
+            <a:endParaRPr lang="en-GB"/>
+          </a:p>
+        </p:txBody>
+      </p:sp>
+    </p:spTree>
+    <p:extLst>
+      <p:ext uri="{BB962C8B-B14F-4D97-AF65-F5344CB8AC3E}">
+        <p14:creationId xmlns:p14="http://schemas.microsoft.com/office/powerpoint/2010/main" val="3070725886"/>
       </p:ext>
     </p:extLst>
   </p:cSld>

--- a/Wendy.pptx
+++ b/Wendy.pptx
@@ -7,12 +7,15 @@
   <p:sldIdLst>
     <p:sldId id="256" r:id="rId2"/>
     <p:sldId id="260" r:id="rId3"/>
-    <p:sldId id="259" r:id="rId4"/>
-    <p:sldId id="261" r:id="rId5"/>
-    <p:sldId id="262" r:id="rId6"/>
-    <p:sldId id="257" r:id="rId7"/>
-    <p:sldId id="258" r:id="rId8"/>
-    <p:sldId id="263" r:id="rId9"/>
+    <p:sldId id="264" r:id="rId4"/>
+    <p:sldId id="265" r:id="rId5"/>
+    <p:sldId id="259" r:id="rId6"/>
+    <p:sldId id="261" r:id="rId7"/>
+    <p:sldId id="262" r:id="rId8"/>
+    <p:sldId id="257" r:id="rId9"/>
+    <p:sldId id="258" r:id="rId10"/>
+    <p:sldId id="263" r:id="rId11"/>
+    <p:sldId id="266" r:id="rId12"/>
   </p:sldIdLst>
   <p:sldSz cx="12192000" cy="6858000"/>
   <p:notesSz cx="6858000" cy="9144000"/>
@@ -3484,6 +3487,188 @@
 </p:sld>
 </file>
 
+<file path=ppt/slides/slide10.xml><?xml version="1.0" encoding="utf-8"?>
+<p:sld xmlns:a="http://schemas.openxmlformats.org/drawingml/2006/main" xmlns:r="http://schemas.openxmlformats.org/officeDocument/2006/relationships" xmlns:p="http://schemas.openxmlformats.org/presentationml/2006/main">
+  <p:cSld>
+    <p:spTree>
+      <p:nvGrpSpPr>
+        <p:cNvPr id="1" name=""/>
+        <p:cNvGrpSpPr/>
+        <p:nvPr/>
+      </p:nvGrpSpPr>
+      <p:grpSpPr>
+        <a:xfrm>
+          <a:off x="0" y="0"/>
+          <a:ext cx="0" cy="0"/>
+          <a:chOff x="0" y="0"/>
+          <a:chExt cx="0" cy="0"/>
+        </a:xfrm>
+      </p:grpSpPr>
+      <p:sp>
+        <p:nvSpPr>
+          <p:cNvPr id="2" name="Titel 1">
+            <a:extLst>
+              <a:ext uri="{FF2B5EF4-FFF2-40B4-BE49-F238E27FC236}">
+                <a16:creationId xmlns:a16="http://schemas.microsoft.com/office/drawing/2014/main" id="{BE5A7019-5957-41C7-B86F-C5AEB573CE70}"/>
+              </a:ext>
+            </a:extLst>
+          </p:cNvPr>
+          <p:cNvSpPr>
+            <a:spLocks noGrp="1"/>
+          </p:cNvSpPr>
+          <p:nvPr>
+            <p:ph type="title"/>
+          </p:nvPr>
+        </p:nvSpPr>
+        <p:spPr/>
+        <p:txBody>
+          <a:bodyPr/>
+          <a:lstStyle/>
+          <a:p>
+            <a:r>
+              <a:rPr lang="en-US" dirty="0"/>
+              <a:t>Fairness Switch</a:t>
+            </a:r>
+            <a:endParaRPr lang="en-GB" dirty="0"/>
+          </a:p>
+        </p:txBody>
+      </p:sp>
+      <p:sp>
+        <p:nvSpPr>
+          <p:cNvPr id="3" name="Inhaltsplatzhalter 2">
+            <a:extLst>
+              <a:ext uri="{FF2B5EF4-FFF2-40B4-BE49-F238E27FC236}">
+                <a16:creationId xmlns:a16="http://schemas.microsoft.com/office/drawing/2014/main" id="{D98CA863-3B1E-4657-8D63-0EE0BE0585B9}"/>
+              </a:ext>
+            </a:extLst>
+          </p:cNvPr>
+          <p:cNvSpPr>
+            <a:spLocks noGrp="1"/>
+          </p:cNvSpPr>
+          <p:nvPr>
+            <p:ph idx="1"/>
+          </p:nvPr>
+        </p:nvSpPr>
+        <p:spPr/>
+        <p:txBody>
+          <a:bodyPr/>
+          <a:lstStyle/>
+          <a:p>
+            <a:r>
+              <a:rPr lang="en-US" dirty="0"/>
+              <a:t>As the fairness is only implemented in two functions, we can switch to a different definition with little effort</a:t>
+            </a:r>
+          </a:p>
+          <a:p>
+            <a:r>
+              <a:rPr lang="en-US" dirty="0"/>
+              <a:t>This can be done on the fly; all we need to do is recompute the blocking sets, which we do anyhow all the time.</a:t>
+            </a:r>
+            <a:endParaRPr lang="en-GB" dirty="0"/>
+          </a:p>
+        </p:txBody>
+      </p:sp>
+    </p:spTree>
+    <p:extLst>
+      <p:ext uri="{BB962C8B-B14F-4D97-AF65-F5344CB8AC3E}">
+        <p14:creationId xmlns:p14="http://schemas.microsoft.com/office/powerpoint/2010/main" val="3070725886"/>
+      </p:ext>
+    </p:extLst>
+  </p:cSld>
+  <p:clrMapOvr>
+    <a:masterClrMapping/>
+  </p:clrMapOvr>
+</p:sld>
+</file>
+
+<file path=ppt/slides/slide11.xml><?xml version="1.0" encoding="utf-8"?>
+<p:sld xmlns:a="http://schemas.openxmlformats.org/drawingml/2006/main" xmlns:r="http://schemas.openxmlformats.org/officeDocument/2006/relationships" xmlns:p="http://schemas.openxmlformats.org/presentationml/2006/main">
+  <p:cSld>
+    <p:spTree>
+      <p:nvGrpSpPr>
+        <p:cNvPr id="1" name=""/>
+        <p:cNvGrpSpPr/>
+        <p:nvPr/>
+      </p:nvGrpSpPr>
+      <p:grpSpPr>
+        <a:xfrm>
+          <a:off x="0" y="0"/>
+          <a:ext cx="0" cy="0"/>
+          <a:chOff x="0" y="0"/>
+          <a:chExt cx="0" cy="0"/>
+        </a:xfrm>
+      </p:grpSpPr>
+      <p:sp>
+        <p:nvSpPr>
+          <p:cNvPr id="2" name="Titel 1">
+            <a:extLst>
+              <a:ext uri="{FF2B5EF4-FFF2-40B4-BE49-F238E27FC236}">
+                <a16:creationId xmlns:a16="http://schemas.microsoft.com/office/drawing/2014/main" id="{267936AB-3EA3-4FF0-9D6E-C22A1FEC8A85}"/>
+              </a:ext>
+            </a:extLst>
+          </p:cNvPr>
+          <p:cNvSpPr>
+            <a:spLocks noGrp="1"/>
+          </p:cNvSpPr>
+          <p:nvPr>
+            <p:ph type="title"/>
+          </p:nvPr>
+        </p:nvSpPr>
+        <p:spPr/>
+        <p:txBody>
+          <a:bodyPr/>
+          <a:lstStyle/>
+          <a:p>
+            <a:r>
+              <a:rPr lang="en-US" dirty="0"/>
+              <a:t>Open Questions</a:t>
+            </a:r>
+            <a:endParaRPr lang="en-GB" dirty="0"/>
+          </a:p>
+        </p:txBody>
+      </p:sp>
+      <p:sp>
+        <p:nvSpPr>
+          <p:cNvPr id="3" name="Inhaltsplatzhalter 2">
+            <a:extLst>
+              <a:ext uri="{FF2B5EF4-FFF2-40B4-BE49-F238E27FC236}">
+                <a16:creationId xmlns:a16="http://schemas.microsoft.com/office/drawing/2014/main" id="{FAE3EFD6-C401-4BAC-BA7C-2A715AFE5EE7}"/>
+              </a:ext>
+            </a:extLst>
+          </p:cNvPr>
+          <p:cNvSpPr>
+            <a:spLocks noGrp="1"/>
+          </p:cNvSpPr>
+          <p:nvPr>
+            <p:ph idx="1"/>
+          </p:nvPr>
+        </p:nvSpPr>
+        <p:spPr/>
+        <p:txBody>
+          <a:bodyPr/>
+          <a:lstStyle/>
+          <a:p>
+            <a:r>
+              <a:rPr lang="en-US" dirty="0"/>
+              <a:t>What if the capacity of the underlying blockchain can’t keep up at all times</a:t>
+            </a:r>
+            <a:endParaRPr lang="en-GB" dirty="0"/>
+          </a:p>
+        </p:txBody>
+      </p:sp>
+    </p:spTree>
+    <p:extLst>
+      <p:ext uri="{BB962C8B-B14F-4D97-AF65-F5344CB8AC3E}">
+        <p14:creationId xmlns:p14="http://schemas.microsoft.com/office/powerpoint/2010/main" val="3010940627"/>
+      </p:ext>
+    </p:extLst>
+  </p:cSld>
+  <p:clrMapOvr>
+    <a:masterClrMapping/>
+  </p:clrMapOvr>
+</p:sld>
+</file>
+
 <file path=ppt/slides/slide2.xml><?xml version="1.0" encoding="utf-8"?>
 <p:sld xmlns:a="http://schemas.openxmlformats.org/drawingml/2006/main" xmlns:r="http://schemas.openxmlformats.org/officeDocument/2006/relationships" xmlns:p="http://schemas.openxmlformats.org/presentationml/2006/main">
   <p:cSld>
@@ -3572,6 +3757,12 @@
             <a:r>
               <a:rPr lang="en-US" dirty="0"/>
               <a:t>There’s some issues with that definition (e.g., we cannot guarantee termination), we’ll ignore that for the moment.</a:t>
+            </a:r>
+          </a:p>
+          <a:p>
+            <a:r>
+              <a:rPr lang="en-US" dirty="0"/>
+              <a:t>Timed Fairness: If there is a time t such that all honest parties saw a transaction tx1 before t and tx2 after t, then tx1 must be in an earlier or the same block as t2</a:t>
             </a:r>
             <a:endParaRPr lang="en-GB" dirty="0"/>
           </a:p>
@@ -3612,7 +3803,7 @@
           <p:cNvPr id="2" name="Titel 1">
             <a:extLst>
               <a:ext uri="{FF2B5EF4-FFF2-40B4-BE49-F238E27FC236}">
-                <a16:creationId xmlns:a16="http://schemas.microsoft.com/office/drawing/2014/main" id="{74D67238-C07F-47B7-944B-270F0AD96DA6}"/>
+                <a16:creationId xmlns:a16="http://schemas.microsoft.com/office/drawing/2014/main" id="{AAD218B4-1759-4231-981D-0142E8569A60}"/>
               </a:ext>
             </a:extLst>
           </p:cNvPr>
@@ -3630,7 +3821,7 @@
           <a:p>
             <a:r>
               <a:rPr lang="en-US" dirty="0"/>
-              <a:t>Basic Wendy</a:t>
+              <a:t>Post Processing</a:t>
             </a:r>
             <a:endParaRPr lang="en-GB" dirty="0"/>
           </a:p>
@@ -3641,7 +3832,7 @@
           <p:cNvPr id="3" name="Inhaltsplatzhalter 2">
             <a:extLst>
               <a:ext uri="{FF2B5EF4-FFF2-40B4-BE49-F238E27FC236}">
-                <a16:creationId xmlns:a16="http://schemas.microsoft.com/office/drawing/2014/main" id="{DE758021-0585-47FE-BF59-1EA0B4C1C228}"/>
+                <a16:creationId xmlns:a16="http://schemas.microsoft.com/office/drawing/2014/main" id="{733DC0D5-7CF2-434C-85EF-8784CE500442}"/>
               </a:ext>
             </a:extLst>
           </p:cNvPr>
@@ -3652,68 +3843,28 @@
             <p:ph idx="1"/>
           </p:nvPr>
         </p:nvSpPr>
-        <p:spPr>
-          <a:xfrm>
-            <a:off x="838200" y="1895964"/>
-            <a:ext cx="10515600" cy="4351338"/>
-          </a:xfrm>
-        </p:spPr>
-        <p:txBody>
-          <a:bodyPr>
-            <a:normAutofit lnSpcReduction="10000"/>
-          </a:bodyPr>
-          <a:lstStyle/>
-          <a:p>
-            <a:pPr marL="0" indent="0">
-              <a:buNone/>
-            </a:pPr>
-            <a:r>
-              <a:rPr lang="en-US" dirty="0"/>
-              <a:t>When a validator sees a transaction, it adds a sequence number and sends a vote for that transaction/sequence number to all validators</a:t>
-            </a:r>
-          </a:p>
-          <a:p>
-            <a:pPr marL="0" indent="0">
-              <a:buNone/>
-            </a:pPr>
-            <a:endParaRPr lang="en-US" dirty="0"/>
-          </a:p>
-          <a:p>
-            <a:pPr marL="0" indent="0">
-              <a:buNone/>
-            </a:pPr>
-            <a:r>
-              <a:rPr lang="en-US" dirty="0"/>
-              <a:t>We call a transaction a preferred over b if, by the rules of fairness, it needs to be in an earlier or the same block </a:t>
-            </a:r>
-          </a:p>
-          <a:p>
-            <a:pPr marL="0" indent="0">
-              <a:buNone/>
-            </a:pPr>
-            <a:r>
-              <a:rPr lang="en-US" dirty="0"/>
-              <a:t>A validator collects votes and decides to delay some TXs from being passed to the blockchain. A transaction is blocked if</a:t>
-            </a:r>
-          </a:p>
-          <a:p>
-            <a:pPr>
-              <a:buFontTx/>
-              <a:buChar char="-"/>
-            </a:pPr>
-            <a:r>
-              <a:rPr lang="en-US" dirty="0"/>
-              <a:t>It is possible for a currently unknown transaction to be preferred; this is because an insufficient votes has arrived</a:t>
-            </a:r>
-          </a:p>
-          <a:p>
-            <a:pPr>
-              <a:buFontTx/>
-              <a:buChar char="-"/>
-            </a:pPr>
-            <a:r>
-              <a:rPr lang="en-US" dirty="0"/>
-              <a:t>A transaction is preferred that is already blocked.</a:t>
+        <p:spPr/>
+        <p:txBody>
+          <a:bodyPr/>
+          <a:lstStyle/>
+          <a:p>
+            <a:r>
+              <a:rPr lang="en-US" dirty="0"/>
+              <a:t>So far, we only are concerned at getting transactions into the same block.</a:t>
+            </a:r>
+          </a:p>
+          <a:p>
+            <a:pPr lvl="1"/>
+            <a:r>
+              <a:rPr lang="en-US" dirty="0"/>
+              <a:t>We can prove that this is (for some definitions) the best we can do</a:t>
+            </a:r>
+          </a:p>
+          <a:p>
+            <a:pPr lvl="1"/>
+            <a:r>
+              <a:rPr lang="en-US" dirty="0"/>
+              <a:t>As all necessary information is supplied in the validation, we can do block post-processing to add inner block fairness (or a best effort thereof)</a:t>
             </a:r>
             <a:endParaRPr lang="en-GB" dirty="0"/>
           </a:p>
@@ -3722,7 +3873,7 @@
     </p:spTree>
     <p:extLst>
       <p:ext uri="{BB962C8B-B14F-4D97-AF65-F5344CB8AC3E}">
-        <p14:creationId xmlns:p14="http://schemas.microsoft.com/office/powerpoint/2010/main" val="350652083"/>
+        <p14:creationId xmlns:p14="http://schemas.microsoft.com/office/powerpoint/2010/main" val="2927471041"/>
       </p:ext>
     </p:extLst>
   </p:cSld>
@@ -3754,7 +3905,7 @@
           <p:cNvPr id="2" name="Titel 1">
             <a:extLst>
               <a:ext uri="{FF2B5EF4-FFF2-40B4-BE49-F238E27FC236}">
-                <a16:creationId xmlns:a16="http://schemas.microsoft.com/office/drawing/2014/main" id="{364127A5-A707-4CA5-882C-E514D406CB61}"/>
+                <a16:creationId xmlns:a16="http://schemas.microsoft.com/office/drawing/2014/main" id="{8743BC8E-CAF5-40DD-9339-DB1538643BF0}"/>
               </a:ext>
             </a:extLst>
           </p:cNvPr>
@@ -3772,7 +3923,7 @@
           <a:p>
             <a:r>
               <a:rPr lang="en-US" dirty="0"/>
-              <a:t>Basic Wendy (2)</a:t>
+              <a:t>Market Identifiers</a:t>
             </a:r>
             <a:endParaRPr lang="en-GB" dirty="0"/>
           </a:p>
@@ -3783,7 +3934,7 @@
           <p:cNvPr id="3" name="Inhaltsplatzhalter 2">
             <a:extLst>
               <a:ext uri="{FF2B5EF4-FFF2-40B4-BE49-F238E27FC236}">
-                <a16:creationId xmlns:a16="http://schemas.microsoft.com/office/drawing/2014/main" id="{F298634F-CD7F-4928-95BA-5F5C85B010B4}"/>
+                <a16:creationId xmlns:a16="http://schemas.microsoft.com/office/drawing/2014/main" id="{41E2FDA6-7B17-4B58-9AAF-5AD0F42F90D9}"/>
               </a:ext>
             </a:extLst>
           </p:cNvPr>
@@ -3797,77 +3948,71 @@
         <p:spPr/>
         <p:txBody>
           <a:bodyPr>
-            <a:normAutofit fontScale="92500" lnSpcReduction="10000"/>
+            <a:normAutofit lnSpcReduction="10000"/>
           </a:bodyPr>
           <a:lstStyle/>
           <a:p>
             <a:r>
               <a:rPr lang="en-US" dirty="0"/>
-              <a:t>With more incoming votes, every transaction will get sufficient votes to not be blocked due to a possibly unknown transaction. It will then unblock itself and all other transactions blocked by it.</a:t>
-            </a:r>
-          </a:p>
-          <a:p>
+              <a:t>Not all transactions need</a:t>
+            </a:r>
+          </a:p>
+          <a:p>
+            <a:pPr lvl="1"/>
+            <a:r>
+              <a:rPr lang="en-US" dirty="0"/>
+              <a:t>To be fair at all</a:t>
+            </a:r>
+          </a:p>
+          <a:p>
+            <a:pPr lvl="1"/>
+            <a:r>
+              <a:rPr lang="en-US" dirty="0"/>
+              <a:t>To be fair relative to each other</a:t>
+            </a:r>
+          </a:p>
+          <a:p>
+            <a:pPr lvl="1"/>
+            <a:r>
+              <a:rPr lang="en-US" dirty="0"/>
+              <a:t>The same definition of fairness</a:t>
+            </a:r>
+          </a:p>
+          <a:p>
+            <a:pPr lvl="1"/>
+            <a:endParaRPr lang="en-GB" dirty="0"/>
+          </a:p>
+          <a:p>
+            <a:pPr marL="0" indent="0">
+              <a:buNone/>
+            </a:pPr>
+            <a:r>
+              <a:rPr lang="en-GB" dirty="0"/>
+              <a:t>Thus, every transaction comes with a market identifier. Only transactions that have the same identifier block each other.</a:t>
+            </a:r>
+          </a:p>
+          <a:p>
+            <a:pPr marL="0" indent="0">
+              <a:buNone/>
+            </a:pPr>
+            <a:endParaRPr lang="en-GB" dirty="0"/>
+          </a:p>
+          <a:p>
+            <a:pPr marL="0" indent="0">
+              <a:buNone/>
+            </a:pPr>
+            <a:r>
+              <a:rPr lang="en-GB" dirty="0"/>
+              <a:t>Special case: Transactions that need no fairness at all don’t need to wait for a vote message (might be not that special, actually. ‘None’ is just another fairness definition).</a:t>
+            </a:r>
             <a:endParaRPr lang="en-US" dirty="0"/>
-          </a:p>
-          <a:p>
-            <a:r>
-              <a:rPr lang="en-US" dirty="0"/>
-              <a:t>A transaction </a:t>
-            </a:r>
-            <a:r>
-              <a:rPr lang="en-US" dirty="0" err="1"/>
-              <a:t>tx</a:t>
-            </a:r>
-            <a:r>
-              <a:rPr lang="en-US" dirty="0"/>
-              <a:t> is blocked (by a so far unknown one) if it got less than t+1 votes. Once t+1 votes (in sequence) have arrived, no unseen transaction can have n-t votes </a:t>
-            </a:r>
-            <a:r>
-              <a:rPr lang="en-US" dirty="0" err="1"/>
-              <a:t>preceeding</a:t>
-            </a:r>
-            <a:r>
-              <a:rPr lang="en-US" dirty="0"/>
-              <a:t> </a:t>
-            </a:r>
-            <a:r>
-              <a:rPr lang="en-US" dirty="0" err="1"/>
-              <a:t>tx</a:t>
-            </a:r>
-            <a:r>
-              <a:rPr lang="en-US" dirty="0"/>
-              <a:t>.</a:t>
-            </a:r>
-          </a:p>
-          <a:p>
-            <a:r>
-              <a:rPr lang="en-US" dirty="0"/>
-              <a:t>A transaction tx1 is </a:t>
-            </a:r>
-            <a:r>
-              <a:rPr lang="en-US" b="1" dirty="0"/>
-              <a:t>not</a:t>
-            </a:r>
-            <a:r>
-              <a:rPr lang="en-US" dirty="0"/>
-              <a:t> preferred to another tx2, if at least t+1 parties reported having seen tx1 before tx2.</a:t>
-            </a:r>
-          </a:p>
-          <a:p>
-            <a:r>
-              <a:rPr lang="en-US" dirty="0"/>
-              <a:t>A vote from a validator is blocked is there is a vote with a lower sequence number missing.</a:t>
-            </a:r>
-          </a:p>
-          <a:p>
-            <a:endParaRPr lang="en-GB" dirty="0"/>
           </a:p>
         </p:txBody>
       </p:sp>
     </p:spTree>
     <p:extLst>
       <p:ext uri="{BB962C8B-B14F-4D97-AF65-F5344CB8AC3E}">
-        <p14:creationId xmlns:p14="http://schemas.microsoft.com/office/powerpoint/2010/main" val="2454888152"/>
+        <p14:creationId xmlns:p14="http://schemas.microsoft.com/office/powerpoint/2010/main" val="356608615"/>
       </p:ext>
     </p:extLst>
   </p:cSld>
@@ -3899,7 +4044,7 @@
           <p:cNvPr id="2" name="Titel 1">
             <a:extLst>
               <a:ext uri="{FF2B5EF4-FFF2-40B4-BE49-F238E27FC236}">
-                <a16:creationId xmlns:a16="http://schemas.microsoft.com/office/drawing/2014/main" id="{F797A09C-302D-41AD-A518-168AF94000D5}"/>
+                <a16:creationId xmlns:a16="http://schemas.microsoft.com/office/drawing/2014/main" id="{74D67238-C07F-47B7-944B-270F0AD96DA6}"/>
               </a:ext>
             </a:extLst>
           </p:cNvPr>
@@ -3917,7 +4062,7 @@
           <a:p>
             <a:r>
               <a:rPr lang="en-US" dirty="0"/>
-              <a:t>Implementation</a:t>
+              <a:t>Basic Wendy</a:t>
             </a:r>
             <a:endParaRPr lang="en-GB" dirty="0"/>
           </a:p>
@@ -3928,7 +4073,7 @@
           <p:cNvPr id="3" name="Inhaltsplatzhalter 2">
             <a:extLst>
               <a:ext uri="{FF2B5EF4-FFF2-40B4-BE49-F238E27FC236}">
-                <a16:creationId xmlns:a16="http://schemas.microsoft.com/office/drawing/2014/main" id="{7839282D-300C-49BB-A5A8-2F7EB36205C6}"/>
+                <a16:creationId xmlns:a16="http://schemas.microsoft.com/office/drawing/2014/main" id="{DE758021-0585-47FE-BF59-1EA0B4C1C228}"/>
               </a:ext>
             </a:extLst>
           </p:cNvPr>
@@ -3939,73 +4084,77 @@
             <p:ph idx="1"/>
           </p:nvPr>
         </p:nvSpPr>
-        <p:spPr/>
-        <p:txBody>
-          <a:bodyPr/>
-          <a:lstStyle/>
-          <a:p>
-            <a:r>
-              <a:rPr lang="en-US" dirty="0"/>
-              <a:t>Wendy has two core parts:</a:t>
-            </a:r>
-          </a:p>
-          <a:p>
-            <a:pPr lvl="1"/>
-            <a:r>
-              <a:rPr lang="en-US" dirty="0"/>
-              <a:t>The </a:t>
-            </a:r>
-            <a:r>
-              <a:rPr lang="en-US" b="1" dirty="0"/>
-              <a:t>recompute</a:t>
-            </a:r>
-            <a:r>
-              <a:rPr lang="en-US" dirty="0"/>
-              <a:t> function reevaluates which current transactions are blocked. To this end, for each active transaction, a set of transactions preferred over it (B)  it is computed. If any transaction in that B is blocked due to insufficient votes, the transaction itself is blocked. Unblocked transactions are moved from the active bugger U to the blockchain buffer Q. This function calls two functions, </a:t>
-            </a:r>
-            <a:r>
-              <a:rPr lang="en-US" dirty="0" err="1"/>
-              <a:t>is_blocked</a:t>
-            </a:r>
-            <a:r>
-              <a:rPr lang="en-US" dirty="0"/>
-              <a:t> and </a:t>
-            </a:r>
-            <a:r>
-              <a:rPr lang="en-US" dirty="0" err="1"/>
-              <a:t>is_blocked_by</a:t>
-            </a:r>
-            <a:r>
-              <a:rPr lang="en-US" dirty="0"/>
-              <a:t>, which essentially define what fairness is.</a:t>
-            </a:r>
-          </a:p>
-          <a:p>
-            <a:pPr lvl="1"/>
-            <a:r>
-              <a:rPr lang="en-US" dirty="0"/>
-              <a:t>The </a:t>
-            </a:r>
-            <a:r>
-              <a:rPr lang="en-US" b="1" dirty="0" err="1"/>
-              <a:t>processMessage</a:t>
-            </a:r>
-            <a:r>
-              <a:rPr lang="en-US" b="1" dirty="0"/>
-              <a:t> </a:t>
-            </a:r>
-            <a:r>
-              <a:rPr lang="en-US" dirty="0"/>
-              <a:t>function evaluates incoming transactions and votes, cleans the buffers once a block has been delivered in the blockchain. It also makes sure that votes that come out of sequence are buffered and processed once their time has come.</a:t>
-            </a:r>
-            <a:endParaRPr lang="en-GB" b="1" dirty="0"/>
+        <p:spPr>
+          <a:xfrm>
+            <a:off x="838200" y="1895964"/>
+            <a:ext cx="10515600" cy="4351338"/>
+          </a:xfrm>
+        </p:spPr>
+        <p:txBody>
+          <a:bodyPr>
+            <a:normAutofit lnSpcReduction="10000"/>
+          </a:bodyPr>
+          <a:lstStyle/>
+          <a:p>
+            <a:pPr marL="0" indent="0">
+              <a:buNone/>
+            </a:pPr>
+            <a:r>
+              <a:rPr lang="en-US" dirty="0"/>
+              <a:t>When a validator sees a transaction, it adds a sequence number and sends a vote for that transaction/sequence number to all validators</a:t>
+            </a:r>
+          </a:p>
+          <a:p>
+            <a:pPr marL="0" indent="0">
+              <a:buNone/>
+            </a:pPr>
+            <a:endParaRPr lang="en-US" dirty="0"/>
+          </a:p>
+          <a:p>
+            <a:pPr marL="0" indent="0">
+              <a:buNone/>
+            </a:pPr>
+            <a:r>
+              <a:rPr lang="en-US" dirty="0"/>
+              <a:t>We call a transaction a preferred over b if, by the rules of fairness, it needs to be in an earlier or the same block </a:t>
+            </a:r>
+          </a:p>
+          <a:p>
+            <a:pPr marL="0" indent="0">
+              <a:buNone/>
+            </a:pPr>
+            <a:r>
+              <a:rPr lang="en-US" dirty="0"/>
+              <a:t>A validator collects votes and decides to delay some TXs from being passed to the blockchain. A transaction is blocked if</a:t>
+            </a:r>
+          </a:p>
+          <a:p>
+            <a:pPr>
+              <a:buFontTx/>
+              <a:buChar char="-"/>
+            </a:pPr>
+            <a:r>
+              <a:rPr lang="en-US" dirty="0"/>
+              <a:t>It is possible for a currently unknown transaction to be preferred; this is because an insufficient votes has arrived</a:t>
+            </a:r>
+          </a:p>
+          <a:p>
+            <a:pPr>
+              <a:buFontTx/>
+              <a:buChar char="-"/>
+            </a:pPr>
+            <a:r>
+              <a:rPr lang="en-US" dirty="0"/>
+              <a:t>A transaction is preferred that is already blocked.</a:t>
+            </a:r>
+            <a:endParaRPr lang="en-GB" dirty="0"/>
           </a:p>
         </p:txBody>
       </p:sp>
     </p:spTree>
     <p:extLst>
       <p:ext uri="{BB962C8B-B14F-4D97-AF65-F5344CB8AC3E}">
-        <p14:creationId xmlns:p14="http://schemas.microsoft.com/office/powerpoint/2010/main" val="3594666893"/>
+        <p14:creationId xmlns:p14="http://schemas.microsoft.com/office/powerpoint/2010/main" val="350652083"/>
       </p:ext>
     </p:extLst>
   </p:cSld>
@@ -4037,7 +4186,7 @@
           <p:cNvPr id="2" name="Titel 1">
             <a:extLst>
               <a:ext uri="{FF2B5EF4-FFF2-40B4-BE49-F238E27FC236}">
-                <a16:creationId xmlns:a16="http://schemas.microsoft.com/office/drawing/2014/main" id="{DAAE0279-5538-4237-88B2-B821431DC99E}"/>
+                <a16:creationId xmlns:a16="http://schemas.microsoft.com/office/drawing/2014/main" id="{364127A5-A707-4CA5-882C-E514D406CB61}"/>
               </a:ext>
             </a:extLst>
           </p:cNvPr>
@@ -4055,7 +4204,7 @@
           <a:p>
             <a:r>
               <a:rPr lang="en-US" dirty="0"/>
-              <a:t>Performance</a:t>
+              <a:t>Basic Wendy (2)</a:t>
             </a:r>
             <a:endParaRPr lang="en-GB" dirty="0"/>
           </a:p>
@@ -4066,7 +4215,7 @@
           <p:cNvPr id="3" name="Inhaltsplatzhalter 2">
             <a:extLst>
               <a:ext uri="{FF2B5EF4-FFF2-40B4-BE49-F238E27FC236}">
-                <a16:creationId xmlns:a16="http://schemas.microsoft.com/office/drawing/2014/main" id="{FF94382F-423A-4FDD-AECA-710447C445EC}"/>
+                <a16:creationId xmlns:a16="http://schemas.microsoft.com/office/drawing/2014/main" id="{F298634F-CD7F-4928-95BA-5F5C85B010B4}"/>
               </a:ext>
             </a:extLst>
           </p:cNvPr>
@@ -4080,47 +4229,69 @@
         <p:spPr/>
         <p:txBody>
           <a:bodyPr>
-            <a:normAutofit lnSpcReduction="10000"/>
+            <a:normAutofit fontScale="92500" lnSpcReduction="10000"/>
           </a:bodyPr>
           <a:lstStyle/>
           <a:p>
             <a:r>
               <a:rPr lang="en-US" dirty="0"/>
-              <a:t>Wendy runs parallel to the blockchain, and in that does not add latency. She does, however, delay transactions to later blocks.</a:t>
-            </a:r>
-          </a:p>
-          <a:p>
-            <a:r>
-              <a:rPr lang="en-US" dirty="0"/>
-              <a:t>Transactions that don’t need fairness can be passed through and suffer no delay</a:t>
-            </a:r>
-          </a:p>
-          <a:p>
-            <a:r>
-              <a:rPr lang="en-US" dirty="0"/>
-              <a:t>Three factors derived from the three blocking possibilities:</a:t>
-            </a:r>
-          </a:p>
-          <a:p>
-            <a:pPr lvl="1"/>
-            <a:r>
-              <a:rPr lang="en-US" dirty="0"/>
-              <a:t>Insufficient votes: A transaction cannot be processed yet as there aren’t enough votes on it to know if it can be scheduled</a:t>
-            </a:r>
-          </a:p>
-          <a:p>
-            <a:pPr lvl="1"/>
-            <a:r>
-              <a:rPr lang="en-US" dirty="0"/>
-              <a:t>Blocking: A transaction needs to be in the same block as one of the above category</a:t>
-            </a:r>
-          </a:p>
-          <a:p>
-            <a:pPr lvl="1"/>
-            <a:r>
-              <a:rPr lang="en-US" dirty="0"/>
-              <a:t>Out of order votes: Voting messages are overtaking each other; Wendy needs to see a full sequence and thus needs to wait for the faster one</a:t>
-            </a:r>
+              <a:t>With more incoming votes, every transaction will get sufficient votes to not be blocked due to a possibly unknown transaction. It will then unblock itself and all other transactions blocked by it.</a:t>
+            </a:r>
+          </a:p>
+          <a:p>
+            <a:endParaRPr lang="en-US" dirty="0"/>
+          </a:p>
+          <a:p>
+            <a:r>
+              <a:rPr lang="en-US" dirty="0"/>
+              <a:t>A transaction </a:t>
+            </a:r>
+            <a:r>
+              <a:rPr lang="en-US" dirty="0" err="1"/>
+              <a:t>tx</a:t>
+            </a:r>
+            <a:r>
+              <a:rPr lang="en-US" dirty="0"/>
+              <a:t> is blocked (by a so far unknown one) if it got less than t+1 votes. Once t+1 votes (in sequence) have arrived, no unseen transaction can have n-t votes </a:t>
+            </a:r>
+            <a:r>
+              <a:rPr lang="en-US" dirty="0" err="1"/>
+              <a:t>preceeding</a:t>
+            </a:r>
+            <a:r>
+              <a:rPr lang="en-US" dirty="0"/>
+              <a:t> </a:t>
+            </a:r>
+            <a:r>
+              <a:rPr lang="en-US" dirty="0" err="1"/>
+              <a:t>tx</a:t>
+            </a:r>
+            <a:r>
+              <a:rPr lang="en-US" dirty="0"/>
+              <a:t>.</a:t>
+            </a:r>
+          </a:p>
+          <a:p>
+            <a:r>
+              <a:rPr lang="en-US" dirty="0"/>
+              <a:t>A transaction tx1 is </a:t>
+            </a:r>
+            <a:r>
+              <a:rPr lang="en-US" b="1" dirty="0"/>
+              <a:t>not</a:t>
+            </a:r>
+            <a:r>
+              <a:rPr lang="en-US" dirty="0"/>
+              <a:t> preferred to another tx2, if at least t+1 parties reported having seen tx1 before tx2.</a:t>
+            </a:r>
+          </a:p>
+          <a:p>
+            <a:r>
+              <a:rPr lang="en-US" dirty="0"/>
+              <a:t>A vote from a validator is blocked is there is a vote with a lower sequence number missing.</a:t>
+            </a:r>
+          </a:p>
+          <a:p>
             <a:endParaRPr lang="en-GB" dirty="0"/>
           </a:p>
         </p:txBody>
@@ -4128,7 +4299,7 @@
     </p:spTree>
     <p:extLst>
       <p:ext uri="{BB962C8B-B14F-4D97-AF65-F5344CB8AC3E}">
-        <p14:creationId xmlns:p14="http://schemas.microsoft.com/office/powerpoint/2010/main" val="2521605596"/>
+        <p14:creationId xmlns:p14="http://schemas.microsoft.com/office/powerpoint/2010/main" val="2454888152"/>
       </p:ext>
     </p:extLst>
   </p:cSld>
@@ -4160,7 +4331,7 @@
           <p:cNvPr id="2" name="Titel 1">
             <a:extLst>
               <a:ext uri="{FF2B5EF4-FFF2-40B4-BE49-F238E27FC236}">
-                <a16:creationId xmlns:a16="http://schemas.microsoft.com/office/drawing/2014/main" id="{976DF676-614B-46D4-944D-1A0BAA6447B8}"/>
+                <a16:creationId xmlns:a16="http://schemas.microsoft.com/office/drawing/2014/main" id="{F797A09C-302D-41AD-A518-168AF94000D5}"/>
               </a:ext>
             </a:extLst>
           </p:cNvPr>
@@ -4178,7 +4349,7 @@
           <a:p>
             <a:r>
               <a:rPr lang="en-US" dirty="0"/>
-              <a:t>First Measurements</a:t>
+              <a:t>Implementation</a:t>
             </a:r>
             <a:endParaRPr lang="en-GB" dirty="0"/>
           </a:p>
@@ -4189,7 +4360,7 @@
           <p:cNvPr id="3" name="Inhaltsplatzhalter 2">
             <a:extLst>
               <a:ext uri="{FF2B5EF4-FFF2-40B4-BE49-F238E27FC236}">
-                <a16:creationId xmlns:a16="http://schemas.microsoft.com/office/drawing/2014/main" id="{6415B985-EC24-41DB-AC81-85886870D676}"/>
+                <a16:creationId xmlns:a16="http://schemas.microsoft.com/office/drawing/2014/main" id="{7839282D-300C-49BB-A5A8-2F7EB36205C6}"/>
               </a:ext>
             </a:extLst>
           </p:cNvPr>
@@ -4202,56 +4373,71 @@
         </p:nvSpPr>
         <p:spPr/>
         <p:txBody>
-          <a:bodyPr>
-            <a:normAutofit fontScale="92500" lnSpcReduction="20000"/>
-          </a:bodyPr>
-          <a:lstStyle/>
-          <a:p>
-            <a:r>
-              <a:rPr lang="en-US" dirty="0"/>
-              <a:t>Insufficient votes depend directly on the ratio message-delivery time/block-creation time. The number of TXs delayed there is pretty much exactly that ratio</a:t>
-            </a:r>
-          </a:p>
-          <a:p>
-            <a:r>
-              <a:rPr lang="en-US" dirty="0"/>
-              <a:t>Blocked TXs added another ~15-30% of those in our simulations. This depends on several parameters:</a:t>
+          <a:bodyPr/>
+          <a:lstStyle/>
+          <a:p>
+            <a:r>
+              <a:rPr lang="en-US" dirty="0"/>
+              <a:t>Wendy has two core parts:</a:t>
             </a:r>
           </a:p>
           <a:p>
             <a:pPr lvl="1"/>
             <a:r>
               <a:rPr lang="en-US" dirty="0"/>
-              <a:t>Variation of the speed in which transactions arrive at validators</a:t>
+              <a:t>The </a:t>
+            </a:r>
+            <a:r>
+              <a:rPr lang="en-US" b="1" dirty="0"/>
+              <a:t>recompute</a:t>
+            </a:r>
+            <a:r>
+              <a:rPr lang="en-US" dirty="0"/>
+              <a:t> function reevaluates which current transactions are blocked. To this end, for each active transaction, a set of transactions preferred over it (B)  it is computed. If any transaction in that B is blocked due to insufficient votes, the transaction itself is blocked. Unblocked transactions are moved from the active bugger U to the blockchain buffer Q. This function calls two functions, </a:t>
+            </a:r>
+            <a:r>
+              <a:rPr lang="en-US" dirty="0" err="1"/>
+              <a:t>is_blocked</a:t>
+            </a:r>
+            <a:r>
+              <a:rPr lang="en-US" dirty="0"/>
+              <a:t> and </a:t>
+            </a:r>
+            <a:r>
+              <a:rPr lang="en-US" dirty="0" err="1"/>
+              <a:t>is_blocked_by</a:t>
+            </a:r>
+            <a:r>
+              <a:rPr lang="en-US" dirty="0"/>
+              <a:t>, which essentially define what fairness is.</a:t>
             </a:r>
           </a:p>
           <a:p>
             <a:pPr lvl="1"/>
             <a:r>
               <a:rPr lang="en-US" dirty="0"/>
-              <a:t>Number of TXs blocked through insufficient votes</a:t>
-            </a:r>
-          </a:p>
-          <a:p>
-            <a:pPr lvl="1"/>
-            <a:r>
-              <a:rPr lang="en-US" dirty="0"/>
-              <a:t>Msg/Block-ratio as above, since many conflicts are resolved before the next block is ready</a:t>
-            </a:r>
-          </a:p>
-          <a:p>
-            <a:r>
-              <a:rPr lang="en-US" dirty="0"/>
-              <a:t>In a halfway normal network, vote overtaking had no impact. If we model erratic behavior (adding a multiple of the normal message delivery times at random), we can make this arbitrarily bad. (Factor 3 = ca 50 percent of transactions delayed).</a:t>
-            </a:r>
-            <a:endParaRPr lang="en-GB" dirty="0"/>
+              <a:t>The </a:t>
+            </a:r>
+            <a:r>
+              <a:rPr lang="en-US" b="1" dirty="0" err="1"/>
+              <a:t>processMessage</a:t>
+            </a:r>
+            <a:r>
+              <a:rPr lang="en-US" b="1" dirty="0"/>
+              <a:t> </a:t>
+            </a:r>
+            <a:r>
+              <a:rPr lang="en-US" dirty="0"/>
+              <a:t>function evaluates incoming transactions and votes, cleans the buffers once a block has been delivered in the blockchain. It also makes sure that votes that come out of sequence are buffered and processed once their time has come.</a:t>
+            </a:r>
+            <a:endParaRPr lang="en-GB" b="1" dirty="0"/>
           </a:p>
         </p:txBody>
       </p:sp>
     </p:spTree>
     <p:extLst>
       <p:ext uri="{BB962C8B-B14F-4D97-AF65-F5344CB8AC3E}">
-        <p14:creationId xmlns:p14="http://schemas.microsoft.com/office/powerpoint/2010/main" val="950716331"/>
+        <p14:creationId xmlns:p14="http://schemas.microsoft.com/office/powerpoint/2010/main" val="3594666893"/>
       </p:ext>
     </p:extLst>
   </p:cSld>
@@ -4283,7 +4469,7 @@
           <p:cNvPr id="2" name="Titel 1">
             <a:extLst>
               <a:ext uri="{FF2B5EF4-FFF2-40B4-BE49-F238E27FC236}">
-                <a16:creationId xmlns:a16="http://schemas.microsoft.com/office/drawing/2014/main" id="{BE5A7019-5957-41C7-B86F-C5AEB573CE70}"/>
+                <a16:creationId xmlns:a16="http://schemas.microsoft.com/office/drawing/2014/main" id="{DAAE0279-5538-4237-88B2-B821431DC99E}"/>
               </a:ext>
             </a:extLst>
           </p:cNvPr>
@@ -4301,7 +4487,7 @@
           <a:p>
             <a:r>
               <a:rPr lang="en-US" dirty="0"/>
-              <a:t>Fairness Switch</a:t>
+              <a:t>Performance</a:t>
             </a:r>
             <a:endParaRPr lang="en-GB" dirty="0"/>
           </a:p>
@@ -4312,7 +4498,7 @@
           <p:cNvPr id="3" name="Inhaltsplatzhalter 2">
             <a:extLst>
               <a:ext uri="{FF2B5EF4-FFF2-40B4-BE49-F238E27FC236}">
-                <a16:creationId xmlns:a16="http://schemas.microsoft.com/office/drawing/2014/main" id="{D98CA863-3B1E-4657-8D63-0EE0BE0585B9}"/>
+                <a16:creationId xmlns:a16="http://schemas.microsoft.com/office/drawing/2014/main" id="{FF94382F-423A-4FDD-AECA-710447C445EC}"/>
               </a:ext>
             </a:extLst>
           </p:cNvPr>
@@ -4325,31 +4511,179 @@
         </p:nvSpPr>
         <p:spPr/>
         <p:txBody>
-          <a:bodyPr/>
-          <a:lstStyle/>
-          <a:p>
-            <a:r>
-              <a:rPr lang="en-US" dirty="0"/>
-              <a:t>As the fairness is only implemented in two functions, we can switch to a different definition with little effort</a:t>
-            </a:r>
-          </a:p>
-          <a:p>
-            <a:r>
-              <a:rPr lang="en-US" dirty="0"/>
-              <a:t>This can be done on the fly; all we need to do is recompute the blocking sets, which we do anyhow all </a:t>
-            </a:r>
-            <a:r>
-              <a:rPr lang="en-US"/>
-              <a:t>the time.</a:t>
-            </a:r>
-            <a:endParaRPr lang="en-GB"/>
+          <a:bodyPr>
+            <a:normAutofit lnSpcReduction="10000"/>
+          </a:bodyPr>
+          <a:lstStyle/>
+          <a:p>
+            <a:r>
+              <a:rPr lang="en-US" dirty="0"/>
+              <a:t>Wendy runs parallel to the blockchain, and in that does not add latency. She does, however, delay transactions to later blocks.</a:t>
+            </a:r>
+          </a:p>
+          <a:p>
+            <a:r>
+              <a:rPr lang="en-US" dirty="0"/>
+              <a:t>Transactions that don’t need fairness can be passed through and suffer no delay</a:t>
+            </a:r>
+          </a:p>
+          <a:p>
+            <a:r>
+              <a:rPr lang="en-US" dirty="0"/>
+              <a:t>Three factors derived from the three blocking possibilities:</a:t>
+            </a:r>
+          </a:p>
+          <a:p>
+            <a:pPr lvl="1"/>
+            <a:r>
+              <a:rPr lang="en-US" dirty="0"/>
+              <a:t>Insufficient votes: A transaction cannot be processed yet as there aren’t enough votes on it to know if it can be scheduled</a:t>
+            </a:r>
+          </a:p>
+          <a:p>
+            <a:pPr lvl="1"/>
+            <a:r>
+              <a:rPr lang="en-US" dirty="0"/>
+              <a:t>Blocking: A transaction needs to be in the same block as one of the above category</a:t>
+            </a:r>
+          </a:p>
+          <a:p>
+            <a:pPr lvl="1"/>
+            <a:r>
+              <a:rPr lang="en-US" dirty="0"/>
+              <a:t>Out of order votes: Voting messages are overtaking each other; Wendy needs to see a full sequence and thus needs to wait for the faster one</a:t>
+            </a:r>
+            <a:endParaRPr lang="en-GB" dirty="0"/>
           </a:p>
         </p:txBody>
       </p:sp>
     </p:spTree>
     <p:extLst>
       <p:ext uri="{BB962C8B-B14F-4D97-AF65-F5344CB8AC3E}">
-        <p14:creationId xmlns:p14="http://schemas.microsoft.com/office/powerpoint/2010/main" val="3070725886"/>
+        <p14:creationId xmlns:p14="http://schemas.microsoft.com/office/powerpoint/2010/main" val="2521605596"/>
+      </p:ext>
+    </p:extLst>
+  </p:cSld>
+  <p:clrMapOvr>
+    <a:masterClrMapping/>
+  </p:clrMapOvr>
+</p:sld>
+</file>
+
+<file path=ppt/slides/slide9.xml><?xml version="1.0" encoding="utf-8"?>
+<p:sld xmlns:a="http://schemas.openxmlformats.org/drawingml/2006/main" xmlns:r="http://schemas.openxmlformats.org/officeDocument/2006/relationships" xmlns:p="http://schemas.openxmlformats.org/presentationml/2006/main">
+  <p:cSld>
+    <p:spTree>
+      <p:nvGrpSpPr>
+        <p:cNvPr id="1" name=""/>
+        <p:cNvGrpSpPr/>
+        <p:nvPr/>
+      </p:nvGrpSpPr>
+      <p:grpSpPr>
+        <a:xfrm>
+          <a:off x="0" y="0"/>
+          <a:ext cx="0" cy="0"/>
+          <a:chOff x="0" y="0"/>
+          <a:chExt cx="0" cy="0"/>
+        </a:xfrm>
+      </p:grpSpPr>
+      <p:sp>
+        <p:nvSpPr>
+          <p:cNvPr id="2" name="Titel 1">
+            <a:extLst>
+              <a:ext uri="{FF2B5EF4-FFF2-40B4-BE49-F238E27FC236}">
+                <a16:creationId xmlns:a16="http://schemas.microsoft.com/office/drawing/2014/main" id="{976DF676-614B-46D4-944D-1A0BAA6447B8}"/>
+              </a:ext>
+            </a:extLst>
+          </p:cNvPr>
+          <p:cNvSpPr>
+            <a:spLocks noGrp="1"/>
+          </p:cNvSpPr>
+          <p:nvPr>
+            <p:ph type="title"/>
+          </p:nvPr>
+        </p:nvSpPr>
+        <p:spPr/>
+        <p:txBody>
+          <a:bodyPr/>
+          <a:lstStyle/>
+          <a:p>
+            <a:r>
+              <a:rPr lang="en-US" dirty="0"/>
+              <a:t>First Measurements</a:t>
+            </a:r>
+            <a:endParaRPr lang="en-GB" dirty="0"/>
+          </a:p>
+        </p:txBody>
+      </p:sp>
+      <p:sp>
+        <p:nvSpPr>
+          <p:cNvPr id="3" name="Inhaltsplatzhalter 2">
+            <a:extLst>
+              <a:ext uri="{FF2B5EF4-FFF2-40B4-BE49-F238E27FC236}">
+                <a16:creationId xmlns:a16="http://schemas.microsoft.com/office/drawing/2014/main" id="{6415B985-EC24-41DB-AC81-85886870D676}"/>
+              </a:ext>
+            </a:extLst>
+          </p:cNvPr>
+          <p:cNvSpPr>
+            <a:spLocks noGrp="1"/>
+          </p:cNvSpPr>
+          <p:nvPr>
+            <p:ph idx="1"/>
+          </p:nvPr>
+        </p:nvSpPr>
+        <p:spPr/>
+        <p:txBody>
+          <a:bodyPr>
+            <a:normAutofit fontScale="92500" lnSpcReduction="20000"/>
+          </a:bodyPr>
+          <a:lstStyle/>
+          <a:p>
+            <a:r>
+              <a:rPr lang="en-US" dirty="0"/>
+              <a:t>Insufficient votes depend directly on the ratio message-delivery time/block-creation time. The number of TXs delayed there is pretty much exactly that ratio</a:t>
+            </a:r>
+          </a:p>
+          <a:p>
+            <a:r>
+              <a:rPr lang="en-US" dirty="0"/>
+              <a:t>Blocked TXs added another ~15-30% of those in our simulations. This depends on several parameters:</a:t>
+            </a:r>
+          </a:p>
+          <a:p>
+            <a:pPr lvl="1"/>
+            <a:r>
+              <a:rPr lang="en-US" dirty="0"/>
+              <a:t>Variation of the speed in which transactions arrive at validators</a:t>
+            </a:r>
+          </a:p>
+          <a:p>
+            <a:pPr lvl="1"/>
+            <a:r>
+              <a:rPr lang="en-US" dirty="0"/>
+              <a:t>Number of TXs blocked through insufficient votes</a:t>
+            </a:r>
+          </a:p>
+          <a:p>
+            <a:pPr lvl="1"/>
+            <a:r>
+              <a:rPr lang="en-US" dirty="0"/>
+              <a:t>Msg/Block-ratio as above, since many conflicts are resolved before the next block is ready</a:t>
+            </a:r>
+          </a:p>
+          <a:p>
+            <a:r>
+              <a:rPr lang="en-US" dirty="0"/>
+              <a:t>In a halfway normal network, vote overtaking had no impact. If we model erratic behavior (adding a multiple of the normal message delivery times at random), we can make this arbitrarily bad. (Factor 3 = ca 50 percent of transactions delayed).</a:t>
+            </a:r>
+            <a:endParaRPr lang="en-GB" dirty="0"/>
+          </a:p>
+        </p:txBody>
+      </p:sp>
+    </p:spTree>
+    <p:extLst>
+      <p:ext uri="{BB962C8B-B14F-4D97-AF65-F5344CB8AC3E}">
+        <p14:creationId xmlns:p14="http://schemas.microsoft.com/office/powerpoint/2010/main" val="950716331"/>
       </p:ext>
     </p:extLst>
   </p:cSld>
